--- a/0_Basics/Agentic AI Basics.pptx
+++ b/0_Basics/Agentic AI Basics.pptx
@@ -50,9 +50,6 @@
     <p:sldId id="286" r:id="rId44"/>
     <p:sldId id="288" r:id="rId45"/>
     <p:sldId id="289" r:id="rId46"/>
-    <p:sldId id="591" r:id="rId47"/>
-    <p:sldId id="616" r:id="rId48"/>
-    <p:sldId id="258" r:id="rId49"/>
   </p:sldIdLst>
   <p:sldSz cx="12192000" cy="6858000"/>
   <p:notesSz cx="6858000" cy="9144000"/>
@@ -151,6 +148,11 @@
       </a:defRPr>
     </a:lvl9pPr>
   </p:defaultTextStyle>
+  <p:extLst>
+    <p:ext uri="{EFAFB233-063F-42B5-8137-9DF3F51BA10A}">
+      <p15:sldGuideLst xmlns:p15="http://schemas.microsoft.com/office/powerpoint/2012/main"/>
+    </p:ext>
+  </p:extLst>
 </p:presentation>
 </file>
 
@@ -303,7 +305,7 @@
           <a:p>
             <a:fld id="{10E865D7-15DB-4466-8CA8-9D0F3343D8EF}" type="datetimeFigureOut">
               <a:rPr lang="en-GB" smtClean="0"/>
-              <a:t>23/09/2025</a:t>
+              <a:t>11/10/2025</a:t>
             </a:fld>
             <a:endParaRPr lang="en-GB"/>
           </a:p>
@@ -503,7 +505,7 @@
           <a:p>
             <a:fld id="{10E865D7-15DB-4466-8CA8-9D0F3343D8EF}" type="datetimeFigureOut">
               <a:rPr lang="en-GB" smtClean="0"/>
-              <a:t>23/09/2025</a:t>
+              <a:t>11/10/2025</a:t>
             </a:fld>
             <a:endParaRPr lang="en-GB"/>
           </a:p>
@@ -713,7 +715,7 @@
           <a:p>
             <a:fld id="{10E865D7-15DB-4466-8CA8-9D0F3343D8EF}" type="datetimeFigureOut">
               <a:rPr lang="en-GB" smtClean="0"/>
-              <a:t>23/09/2025</a:t>
+              <a:t>11/10/2025</a:t>
             </a:fld>
             <a:endParaRPr lang="en-GB"/>
           </a:p>
@@ -913,7 +915,7 @@
           <a:p>
             <a:fld id="{10E865D7-15DB-4466-8CA8-9D0F3343D8EF}" type="datetimeFigureOut">
               <a:rPr lang="en-GB" smtClean="0"/>
-              <a:t>23/09/2025</a:t>
+              <a:t>11/10/2025</a:t>
             </a:fld>
             <a:endParaRPr lang="en-GB"/>
           </a:p>
@@ -1189,7 +1191,7 @@
           <a:p>
             <a:fld id="{10E865D7-15DB-4466-8CA8-9D0F3343D8EF}" type="datetimeFigureOut">
               <a:rPr lang="en-GB" smtClean="0"/>
-              <a:t>23/09/2025</a:t>
+              <a:t>11/10/2025</a:t>
             </a:fld>
             <a:endParaRPr lang="en-GB"/>
           </a:p>
@@ -1457,7 +1459,7 @@
           <a:p>
             <a:fld id="{10E865D7-15DB-4466-8CA8-9D0F3343D8EF}" type="datetimeFigureOut">
               <a:rPr lang="en-GB" smtClean="0"/>
-              <a:t>23/09/2025</a:t>
+              <a:t>11/10/2025</a:t>
             </a:fld>
             <a:endParaRPr lang="en-GB"/>
           </a:p>
@@ -1872,7 +1874,7 @@
           <a:p>
             <a:fld id="{10E865D7-15DB-4466-8CA8-9D0F3343D8EF}" type="datetimeFigureOut">
               <a:rPr lang="en-GB" smtClean="0"/>
-              <a:t>23/09/2025</a:t>
+              <a:t>11/10/2025</a:t>
             </a:fld>
             <a:endParaRPr lang="en-GB"/>
           </a:p>
@@ -2014,7 +2016,7 @@
           <a:p>
             <a:fld id="{10E865D7-15DB-4466-8CA8-9D0F3343D8EF}" type="datetimeFigureOut">
               <a:rPr lang="en-GB" smtClean="0"/>
-              <a:t>23/09/2025</a:t>
+              <a:t>11/10/2025</a:t>
             </a:fld>
             <a:endParaRPr lang="en-GB"/>
           </a:p>
@@ -2127,7 +2129,7 @@
           <a:p>
             <a:fld id="{10E865D7-15DB-4466-8CA8-9D0F3343D8EF}" type="datetimeFigureOut">
               <a:rPr lang="en-GB" smtClean="0"/>
-              <a:t>23/09/2025</a:t>
+              <a:t>11/10/2025</a:t>
             </a:fld>
             <a:endParaRPr lang="en-GB"/>
           </a:p>
@@ -2440,7 +2442,7 @@
           <a:p>
             <a:fld id="{10E865D7-15DB-4466-8CA8-9D0F3343D8EF}" type="datetimeFigureOut">
               <a:rPr lang="en-GB" smtClean="0"/>
-              <a:t>23/09/2025</a:t>
+              <a:t>11/10/2025</a:t>
             </a:fld>
             <a:endParaRPr lang="en-GB"/>
           </a:p>
@@ -2729,7 +2731,7 @@
           <a:p>
             <a:fld id="{10E865D7-15DB-4466-8CA8-9D0F3343D8EF}" type="datetimeFigureOut">
               <a:rPr lang="en-GB" smtClean="0"/>
-              <a:t>23/09/2025</a:t>
+              <a:t>11/10/2025</a:t>
             </a:fld>
             <a:endParaRPr lang="en-GB"/>
           </a:p>
@@ -2972,7 +2974,7 @@
           <a:p>
             <a:fld id="{10E865D7-15DB-4466-8CA8-9D0F3343D8EF}" type="datetimeFigureOut">
               <a:rPr lang="en-GB" smtClean="0"/>
-              <a:t>23/09/2025</a:t>
+              <a:t>11/10/2025</a:t>
             </a:fld>
             <a:endParaRPr lang="en-GB"/>
           </a:p>
@@ -3446,12 +3448,6 @@
           </a:p>
           <a:p>
             <a:r>
-              <a:rPr lang="en-IN" dirty="0"/>
-              <a:t>atulkahatecdac@gmail.com</a:t>
-            </a:r>
-          </a:p>
-          <a:p>
-            <a:r>
               <a:rPr lang="en-GB" dirty="0"/>
               <a:t>https://www.linkedin.com/in/atulkahate/</a:t>
             </a:r>
@@ -4874,7 +4870,12 @@
             <p:ph type="title"/>
           </p:nvPr>
         </p:nvSpPr>
-        <p:spPr/>
+        <p:spPr>
+          <a:xfrm>
+            <a:off x="838200" y="365125"/>
+            <a:ext cx="10515600" cy="716799"/>
+          </a:xfrm>
+        </p:spPr>
         <p:txBody>
           <a:bodyPr/>
           <a:lstStyle/>
@@ -4901,11 +4902,16 @@
           </p:cNvGraphicFramePr>
           <p:nvPr>
             <p:ph idx="1"/>
+            <p:extLst>
+              <p:ext uri="{D42A27DB-BD31-4B8C-83A1-F6EECF244321}">
+                <p14:modId xmlns:p14="http://schemas.microsoft.com/office/powerpoint/2010/main" val="822551680"/>
+              </p:ext>
+            </p:extLst>
           </p:nvPr>
         </p:nvGraphicFramePr>
         <p:xfrm>
-          <a:off x="1019102" y="1585855"/>
-          <a:ext cx="10334700" cy="4701098"/>
+          <a:off x="1019100" y="1081924"/>
+          <a:ext cx="10334700" cy="5527852"/>
         </p:xfrm>
         <a:graphic>
           <a:graphicData uri="http://schemas.openxmlformats.org/drawingml/2006/table">
@@ -5511,6 +5517,80 @@
                 <a:extLst>
                   <a:ext uri="{0D108BD9-81ED-4DB2-BD59-A6C34878D82A}">
                     <a16:rowId xmlns:a16="http://schemas.microsoft.com/office/drawing/2014/main" val="4168884396"/>
+                  </a:ext>
+                </a:extLst>
+              </a:tr>
+              <a:tr h="826754">
+                <a:tc>
+                  <a:txBody>
+                    <a:bodyPr/>
+                    <a:lstStyle/>
+                    <a:p>
+                      <a:pPr>
+                        <a:buNone/>
+                      </a:pPr>
+                      <a:r>
+                        <a:rPr lang="en-IN" sz="1600" dirty="0"/>
+                        <a:t>7</a:t>
+                      </a:r>
+                      <a:endParaRPr lang="en-GB" sz="1600" dirty="0"/>
+                    </a:p>
+                  </a:txBody>
+                  <a:tcPr marL="43513" marR="43513" marT="21757" marB="21757" anchor="ctr"/>
+                </a:tc>
+                <a:tc>
+                  <a:txBody>
+                    <a:bodyPr/>
+                    <a:lstStyle/>
+                    <a:p>
+                      <a:pPr>
+                        <a:buNone/>
+                      </a:pPr>
+                      <a:r>
+                        <a:rPr lang="en-IN" sz="1600" b="1" dirty="0"/>
+                        <a:t>No Code-Low Code</a:t>
+                      </a:r>
+                      <a:endParaRPr lang="en-GB" sz="1600" b="1" dirty="0"/>
+                    </a:p>
+                  </a:txBody>
+                  <a:tcPr marL="43513" marR="43513" marT="21757" marB="21757" anchor="ctr"/>
+                </a:tc>
+                <a:tc>
+                  <a:txBody>
+                    <a:bodyPr/>
+                    <a:lstStyle/>
+                    <a:p>
+                      <a:pPr>
+                        <a:buNone/>
+                      </a:pPr>
+                      <a:r>
+                        <a:rPr lang="en-IN" sz="1600" dirty="0"/>
+                        <a:t>Create agentic AI applications without writing code</a:t>
+                      </a:r>
+                      <a:endParaRPr lang="en-GB" sz="1600" dirty="0"/>
+                    </a:p>
+                  </a:txBody>
+                  <a:tcPr marL="43513" marR="43513" marT="21757" marB="21757" anchor="ctr"/>
+                </a:tc>
+                <a:tc>
+                  <a:txBody>
+                    <a:bodyPr/>
+                    <a:lstStyle/>
+                    <a:p>
+                      <a:pPr>
+                        <a:buNone/>
+                      </a:pPr>
+                      <a:r>
+                        <a:rPr lang="en-US" sz="1600" dirty="0"/>
+                        <a:t>Uses drag-and-drop features with a rich set of connectors to create powerful applications.</a:t>
+                      </a:r>
+                    </a:p>
+                  </a:txBody>
+                  <a:tcPr marL="43513" marR="43513" marT="21757" marB="21757" anchor="ctr"/>
+                </a:tc>
+                <a:extLst>
+                  <a:ext uri="{0D108BD9-81ED-4DB2-BD59-A6C34878D82A}">
+                    <a16:rowId xmlns:a16="http://schemas.microsoft.com/office/drawing/2014/main" val="3661221691"/>
                   </a:ext>
                 </a:extLst>
               </a:tr>
@@ -15615,364 +15695,6 @@
     <p:extLst>
       <p:ext uri="{BB962C8B-B14F-4D97-AF65-F5344CB8AC3E}">
         <p14:creationId xmlns:p14="http://schemas.microsoft.com/office/powerpoint/2010/main" val="2634091691"/>
-      </p:ext>
-    </p:extLst>
-  </p:cSld>
-  <p:clrMapOvr>
-    <a:masterClrMapping/>
-  </p:clrMapOvr>
-</p:sld>
-</file>
-
-<file path=ppt/slides/slide46.xml><?xml version="1.0" encoding="utf-8"?>
-<p:sld xmlns:a="http://schemas.openxmlformats.org/drawingml/2006/main" xmlns:r="http://schemas.openxmlformats.org/officeDocument/2006/relationships" xmlns:p="http://schemas.openxmlformats.org/presentationml/2006/main">
-  <p:cSld>
-    <p:spTree>
-      <p:nvGrpSpPr>
-        <p:cNvPr id="1" name=""/>
-        <p:cNvGrpSpPr/>
-        <p:nvPr/>
-      </p:nvGrpSpPr>
-      <p:grpSpPr>
-        <a:xfrm>
-          <a:off x="0" y="0"/>
-          <a:ext cx="0" cy="0"/>
-          <a:chOff x="0" y="0"/>
-          <a:chExt cx="0" cy="0"/>
-        </a:xfrm>
-      </p:grpSpPr>
-      <p:sp>
-        <p:nvSpPr>
-          <p:cNvPr id="4" name="Title 3">
-            <a:extLst>
-              <a:ext uri="{FF2B5EF4-FFF2-40B4-BE49-F238E27FC236}">
-                <a16:creationId xmlns:a16="http://schemas.microsoft.com/office/drawing/2014/main" id="{163C4146-3FCC-B807-621B-7B3DCE639C74}"/>
-              </a:ext>
-            </a:extLst>
-          </p:cNvPr>
-          <p:cNvSpPr>
-            <a:spLocks noGrp="1"/>
-          </p:cNvSpPr>
-          <p:nvPr>
-            <p:ph type="title"/>
-          </p:nvPr>
-        </p:nvSpPr>
-        <p:spPr/>
-        <p:txBody>
-          <a:bodyPr/>
-          <a:lstStyle/>
-          <a:p>
-            <a:r>
-              <a:rPr lang="en-IN" dirty="0"/>
-              <a:t>No Code/Lo Code</a:t>
-            </a:r>
-            <a:endParaRPr lang="en-GB" dirty="0"/>
-          </a:p>
-        </p:txBody>
-      </p:sp>
-      <p:sp>
-        <p:nvSpPr>
-          <p:cNvPr id="5" name="Text Placeholder 4">
-            <a:extLst>
-              <a:ext uri="{FF2B5EF4-FFF2-40B4-BE49-F238E27FC236}">
-                <a16:creationId xmlns:a16="http://schemas.microsoft.com/office/drawing/2014/main" id="{E08FDE39-0239-0CEB-F520-8C5FEFD55991}"/>
-              </a:ext>
-            </a:extLst>
-          </p:cNvPr>
-          <p:cNvSpPr>
-            <a:spLocks noGrp="1"/>
-          </p:cNvSpPr>
-          <p:nvPr>
-            <p:ph type="body" idx="1"/>
-          </p:nvPr>
-        </p:nvSpPr>
-        <p:spPr/>
-        <p:txBody>
-          <a:bodyPr/>
-          <a:lstStyle/>
-          <a:p>
-            <a:endParaRPr lang="en-GB"/>
-          </a:p>
-        </p:txBody>
-      </p:sp>
-    </p:spTree>
-    <p:extLst>
-      <p:ext uri="{BB962C8B-B14F-4D97-AF65-F5344CB8AC3E}">
-        <p14:creationId xmlns:p14="http://schemas.microsoft.com/office/powerpoint/2010/main" val="625471249"/>
-      </p:ext>
-    </p:extLst>
-  </p:cSld>
-  <p:clrMapOvr>
-    <a:masterClrMapping/>
-  </p:clrMapOvr>
-</p:sld>
-</file>
-
-<file path=ppt/slides/slide47.xml><?xml version="1.0" encoding="utf-8"?>
-<p:sld xmlns:a="http://schemas.openxmlformats.org/drawingml/2006/main" xmlns:r="http://schemas.openxmlformats.org/officeDocument/2006/relationships" xmlns:p="http://schemas.openxmlformats.org/presentationml/2006/main">
-  <p:cSld>
-    <p:spTree>
-      <p:nvGrpSpPr>
-        <p:cNvPr id="1" name=""/>
-        <p:cNvGrpSpPr/>
-        <p:nvPr/>
-      </p:nvGrpSpPr>
-      <p:grpSpPr>
-        <a:xfrm>
-          <a:off x="0" y="0"/>
-          <a:ext cx="0" cy="0"/>
-          <a:chOff x="0" y="0"/>
-          <a:chExt cx="0" cy="0"/>
-        </a:xfrm>
-      </p:grpSpPr>
-      <p:sp>
-        <p:nvSpPr>
-          <p:cNvPr id="2" name="Title 1">
-            <a:extLst>
-              <a:ext uri="{FF2B5EF4-FFF2-40B4-BE49-F238E27FC236}">
-                <a16:creationId xmlns:a16="http://schemas.microsoft.com/office/drawing/2014/main" id="{4B82A936-BC28-CAD9-87D1-EDC3603516FE}"/>
-              </a:ext>
-            </a:extLst>
-          </p:cNvPr>
-          <p:cNvSpPr>
-            <a:spLocks noGrp="1"/>
-          </p:cNvSpPr>
-          <p:nvPr>
-            <p:ph type="title"/>
-          </p:nvPr>
-        </p:nvSpPr>
-        <p:spPr/>
-        <p:txBody>
-          <a:bodyPr/>
-          <a:lstStyle/>
-          <a:p>
-            <a:r>
-              <a:rPr lang="en-IN" dirty="0"/>
-              <a:t>First Agentic AI Demo</a:t>
-            </a:r>
-            <a:endParaRPr lang="en-GB" dirty="0"/>
-          </a:p>
-        </p:txBody>
-      </p:sp>
-      <p:sp>
-        <p:nvSpPr>
-          <p:cNvPr id="3" name="Content Placeholder 2">
-            <a:extLst>
-              <a:ext uri="{FF2B5EF4-FFF2-40B4-BE49-F238E27FC236}">
-                <a16:creationId xmlns:a16="http://schemas.microsoft.com/office/drawing/2014/main" id="{8ABFC037-323A-9462-FB2C-CA3835B450C0}"/>
-              </a:ext>
-            </a:extLst>
-          </p:cNvPr>
-          <p:cNvSpPr>
-            <a:spLocks noGrp="1"/>
-          </p:cNvSpPr>
-          <p:nvPr>
-            <p:ph idx="1"/>
-          </p:nvPr>
-        </p:nvSpPr>
-        <p:spPr/>
-        <p:txBody>
-          <a:bodyPr>
-            <a:normAutofit fontScale="70000" lnSpcReduction="20000"/>
-          </a:bodyPr>
-          <a:lstStyle/>
-          <a:p>
-            <a:r>
-              <a:rPr lang="en-GB" dirty="0"/>
-              <a:t>docker run -it --rm --name n8n -p 5678:5678 -v n8n_data:/home/node/.n8n -e N8N_ENCRYPTION_KEY=</a:t>
-            </a:r>
-            <a:r>
-              <a:rPr lang="en-GB" dirty="0" err="1"/>
-              <a:t>mysecretkey</a:t>
-            </a:r>
-            <a:r>
-              <a:rPr lang="en-GB" dirty="0"/>
-              <a:t> -e N8N_BASIC_AUTH_ACTIVE=true -e N8N_BASIC_AUTH_USER=root@root.com -e N8N_BASIC_AUTH_PASSWORD=root -e N8N_RUNNERS_ENABLED=true -e N8N_ENFORCE_SETTINGS_FILE_PERMISSIONS=true n8nio/n8n:1.83.2</a:t>
-            </a:r>
-          </a:p>
-          <a:p>
-            <a:r>
-              <a:rPr lang="en-GB" dirty="0"/>
-              <a:t>localhost:5678</a:t>
-            </a:r>
-          </a:p>
-          <a:p>
-            <a:endParaRPr lang="en-GB" dirty="0"/>
-          </a:p>
-          <a:p>
-            <a:r>
-              <a:rPr lang="en-GB" dirty="0"/>
-              <a:t>Email: </a:t>
-            </a:r>
-            <a:r>
-              <a:rPr lang="en-GB" dirty="0">
-                <a:hlinkClick r:id="rId2"/>
-              </a:rPr>
-              <a:t>root@root.com</a:t>
-            </a:r>
-            <a:r>
-              <a:rPr lang="en-GB" dirty="0"/>
-              <a:t>, First name: root, Last name: root, Password: Root@1234</a:t>
-            </a:r>
-          </a:p>
-          <a:p>
-            <a:r>
-              <a:rPr lang="en-GB" dirty="0"/>
-              <a:t>Later, in the license key prompt, give your actual email id to receive license key</a:t>
-            </a:r>
-          </a:p>
-          <a:p>
-            <a:r>
-              <a:rPr lang="en-GB" dirty="0"/>
-              <a:t>Go to Usage and plan and enter the license key -&gt; Click Activate</a:t>
-            </a:r>
-          </a:p>
-          <a:p>
-            <a:endParaRPr lang="en-GB" dirty="0"/>
-          </a:p>
-          <a:p>
-            <a:r>
-              <a:rPr lang="en-GB" dirty="0"/>
-              <a:t>Create a workflow as shown on the next slide</a:t>
-            </a:r>
-          </a:p>
-          <a:p>
-            <a:r>
-              <a:rPr lang="en-GB" dirty="0"/>
-              <a:t>OpenAI API key: “”</a:t>
-            </a:r>
-            <a:endParaRPr lang="en-GB" dirty="0">
-              <a:highlight>
-                <a:srgbClr val="000000"/>
-              </a:highlight>
-            </a:endParaRPr>
-          </a:p>
-          <a:p>
-            <a:r>
-              <a:rPr lang="en-GB" dirty="0"/>
-              <a:t>Jokes API: https://official-joke-api.appspot.com/random_joke</a:t>
-            </a:r>
-          </a:p>
-        </p:txBody>
-      </p:sp>
-    </p:spTree>
-    <p:extLst>
-      <p:ext uri="{BB962C8B-B14F-4D97-AF65-F5344CB8AC3E}">
-        <p14:creationId xmlns:p14="http://schemas.microsoft.com/office/powerpoint/2010/main" val="3283587412"/>
-      </p:ext>
-    </p:extLst>
-  </p:cSld>
-  <p:clrMapOvr>
-    <a:masterClrMapping/>
-  </p:clrMapOvr>
-</p:sld>
-</file>
-
-<file path=ppt/slides/slide48.xml><?xml version="1.0" encoding="utf-8"?>
-<p:sld xmlns:a="http://schemas.openxmlformats.org/drawingml/2006/main" xmlns:r="http://schemas.openxmlformats.org/officeDocument/2006/relationships" xmlns:p="http://schemas.openxmlformats.org/presentationml/2006/main">
-  <p:cSld>
-    <p:spTree>
-      <p:nvGrpSpPr>
-        <p:cNvPr id="1" name=""/>
-        <p:cNvGrpSpPr/>
-        <p:nvPr/>
-      </p:nvGrpSpPr>
-      <p:grpSpPr>
-        <a:xfrm>
-          <a:off x="0" y="0"/>
-          <a:ext cx="0" cy="0"/>
-          <a:chOff x="0" y="0"/>
-          <a:chExt cx="0" cy="0"/>
-        </a:xfrm>
-      </p:grpSpPr>
-      <p:sp>
-        <p:nvSpPr>
-          <p:cNvPr id="2" name="Title 1">
-            <a:extLst>
-              <a:ext uri="{FF2B5EF4-FFF2-40B4-BE49-F238E27FC236}">
-                <a16:creationId xmlns:a16="http://schemas.microsoft.com/office/drawing/2014/main" id="{8F903B06-FBB2-BDBB-0345-CA7D877B43E6}"/>
-              </a:ext>
-            </a:extLst>
-          </p:cNvPr>
-          <p:cNvSpPr>
-            <a:spLocks noGrp="1"/>
-          </p:cNvSpPr>
-          <p:nvPr>
-            <p:ph type="title"/>
-          </p:nvPr>
-        </p:nvSpPr>
-        <p:spPr/>
-        <p:txBody>
-          <a:bodyPr/>
-          <a:lstStyle/>
-          <a:p>
-            <a:r>
-              <a:rPr lang="en-IN" dirty="0"/>
-              <a:t>First Agentic Workflow</a:t>
-            </a:r>
-            <a:endParaRPr lang="en-GB" dirty="0"/>
-          </a:p>
-        </p:txBody>
-      </p:sp>
-      <p:sp>
-        <p:nvSpPr>
-          <p:cNvPr id="3" name="Content Placeholder 2">
-            <a:extLst>
-              <a:ext uri="{FF2B5EF4-FFF2-40B4-BE49-F238E27FC236}">
-                <a16:creationId xmlns:a16="http://schemas.microsoft.com/office/drawing/2014/main" id="{F2A4F217-E885-5D30-E7DB-AFD3EF24D6D2}"/>
-              </a:ext>
-            </a:extLst>
-          </p:cNvPr>
-          <p:cNvSpPr>
-            <a:spLocks noGrp="1"/>
-          </p:cNvSpPr>
-          <p:nvPr>
-            <p:ph idx="1"/>
-          </p:nvPr>
-        </p:nvSpPr>
-        <p:spPr/>
-        <p:txBody>
-          <a:bodyPr/>
-          <a:lstStyle/>
-          <a:p>
-            <a:endParaRPr lang="en-GB"/>
-          </a:p>
-        </p:txBody>
-      </p:sp>
-      <p:pic>
-        <p:nvPicPr>
-          <p:cNvPr id="5" name="Picture 4">
-            <a:extLst>
-              <a:ext uri="{FF2B5EF4-FFF2-40B4-BE49-F238E27FC236}">
-                <a16:creationId xmlns:a16="http://schemas.microsoft.com/office/drawing/2014/main" id="{81F67F07-E6BE-31BA-EE2A-5FED17DDE254}"/>
-              </a:ext>
-            </a:extLst>
-          </p:cNvPr>
-          <p:cNvPicPr>
-            <a:picLocks noChangeAspect="1"/>
-          </p:cNvPicPr>
-          <p:nvPr/>
-        </p:nvPicPr>
-        <p:blipFill>
-          <a:blip r:embed="rId2"/>
-          <a:stretch>
-            <a:fillRect/>
-          </a:stretch>
-        </p:blipFill>
-        <p:spPr>
-          <a:xfrm>
-            <a:off x="1047219" y="1580413"/>
-            <a:ext cx="9678751" cy="5277587"/>
-          </a:xfrm>
-          <a:prstGeom prst="rect">
-            <a:avLst/>
-          </a:prstGeom>
-        </p:spPr>
-      </p:pic>
-    </p:spTree>
-    <p:extLst>
-      <p:ext uri="{BB962C8B-B14F-4D97-AF65-F5344CB8AC3E}">
-        <p14:creationId xmlns:p14="http://schemas.microsoft.com/office/powerpoint/2010/main" val="3118622808"/>
       </p:ext>
     </p:extLst>
   </p:cSld>
